--- a/static/resources/Presentation1.pptx
+++ b/static/resources/Presentation1.pptx
@@ -8,6 +8,7 @@
     <p:sldId id="256" r:id="rId2"/>
     <p:sldId id="257" r:id="rId3"/>
     <p:sldId id="258" r:id="rId4"/>
+    <p:sldId id="259" r:id="rId5"/>
   </p:sldIdLst>
   <p:sldSz cx="12192000" cy="6858000"/>
   <p:notesSz cx="6858000" cy="9144000"/>
@@ -3045,6 +3046,13 @@
   <p:clrMapOvr>
     <a:masterClrMapping/>
   </p:clrMapOvr>
+  <p:timing>
+    <p:tnLst>
+      <p:par>
+        <p:cTn id="1" dur="indefinite" restart="never" nodeType="tmRoot"/>
+      </p:par>
+    </p:tnLst>
+  </p:timing>
 </p:sld>
 </file>
 
@@ -3182,6 +3190,13 @@
   <p:clrMapOvr>
     <a:masterClrMapping/>
   </p:clrMapOvr>
+  <p:timing>
+    <p:tnLst>
+      <p:par>
+        <p:cTn id="1" dur="indefinite" restart="never" nodeType="tmRoot"/>
+      </p:par>
+    </p:tnLst>
+  </p:timing>
 </p:sld>
 </file>
 
@@ -3202,6 +3217,29 @@
           <a:chExt cx="0" cy="0"/>
         </a:xfrm>
       </p:grpSpPr>
+      <p:pic>
+        <p:nvPicPr>
+          <p:cNvPr id="4" name="Picture 3"/>
+          <p:cNvPicPr>
+            <a:picLocks noChangeAspect="1"/>
+          </p:cNvPicPr>
+          <p:nvPr/>
+        </p:nvPicPr>
+        <p:blipFill rotWithShape="1">
+          <a:blip r:embed="rId2"/>
+          <a:srcRect l="19098" t="6662" r="37737" b="4332"/>
+          <a:stretch/>
+        </p:blipFill>
+        <p:spPr>
+          <a:xfrm>
+            <a:off x="3319622" y="107091"/>
+            <a:ext cx="6206468" cy="6656174"/>
+          </a:xfrm>
+          <a:prstGeom prst="rect">
+            <a:avLst/>
+          </a:prstGeom>
+        </p:spPr>
+      </p:pic>
     </p:spTree>
     <p:extLst>
       <p:ext uri="{BB962C8B-B14F-4D97-AF65-F5344CB8AC3E}">
@@ -3212,6 +3250,50 @@
   <p:clrMapOvr>
     <a:masterClrMapping/>
   </p:clrMapOvr>
+  <p:timing>
+    <p:tnLst>
+      <p:par>
+        <p:cTn id="1" dur="indefinite" restart="never" nodeType="tmRoot"/>
+      </p:par>
+    </p:tnLst>
+  </p:timing>
+</p:sld>
+</file>
+
+<file path=ppt/slides/slide4.xml><?xml version="1.0" encoding="utf-8"?>
+<p:sld xmlns:a="http://schemas.openxmlformats.org/drawingml/2006/main" xmlns:r="http://schemas.openxmlformats.org/officeDocument/2006/relationships" xmlns:p="http://schemas.openxmlformats.org/presentationml/2006/main">
+  <p:cSld>
+    <p:spTree>
+      <p:nvGrpSpPr>
+        <p:cNvPr id="1" name=""/>
+        <p:cNvGrpSpPr/>
+        <p:nvPr/>
+      </p:nvGrpSpPr>
+      <p:grpSpPr>
+        <a:xfrm>
+          <a:off x="0" y="0"/>
+          <a:ext cx="0" cy="0"/>
+          <a:chOff x="0" y="0"/>
+          <a:chExt cx="0" cy="0"/>
+        </a:xfrm>
+      </p:grpSpPr>
+    </p:spTree>
+    <p:extLst>
+      <p:ext uri="{BB962C8B-B14F-4D97-AF65-F5344CB8AC3E}">
+        <p14:creationId xmlns:p14="http://schemas.microsoft.com/office/powerpoint/2010/main" val="1394837871"/>
+      </p:ext>
+    </p:extLst>
+  </p:cSld>
+  <p:clrMapOvr>
+    <a:masterClrMapping/>
+  </p:clrMapOvr>
+  <p:timing>
+    <p:tnLst>
+      <p:par>
+        <p:cTn id="1" dur="indefinite" restart="never" nodeType="tmRoot"/>
+      </p:par>
+    </p:tnLst>
+  </p:timing>
 </p:sld>
 </file>
 
